--- a/ppt 16-9/0350.一件礼物.pptx
+++ b/ppt 16-9/0350.一件礼物.pptx
@@ -5,7 +5,7 @@
     <p:sldMasterId id="2147483648" r:id="rId1"/>
   </p:sldMasterIdLst>
   <p:sldIdLst>
-    <p:sldId id="3254" r:id="rId2"/>
+    <p:sldId id="3255" r:id="rId2"/>
   </p:sldIdLst>
   <p:sldSz cx="12192000" cy="6858000"/>
   <p:notesSz cx="6858000" cy="9144000"/>
@@ -129,7 +129,7 @@
           <p:cNvPr id="2" name="标题 1">
             <a:extLst>
               <a:ext uri="{FF2B5EF4-FFF2-40B4-BE49-F238E27FC236}">
-                <a16:creationId xmlns:a16="http://schemas.microsoft.com/office/drawing/2014/main" id="{4029D432-693F-3B95-54EA-5CEAF5BBE0B2}"/>
+                <a16:creationId xmlns:a16="http://schemas.microsoft.com/office/drawing/2014/main" id="{B0E7F3CC-F4F3-822E-65A6-5358523D357F}"/>
               </a:ext>
             </a:extLst>
           </p:cNvPr>
@@ -166,7 +166,7 @@
           <p:cNvPr id="3" name="副标题 2">
             <a:extLst>
               <a:ext uri="{FF2B5EF4-FFF2-40B4-BE49-F238E27FC236}">
-                <a16:creationId xmlns:a16="http://schemas.microsoft.com/office/drawing/2014/main" id="{A187A1E6-9D9F-6E84-44E5-8CC0F4EEB8D6}"/>
+                <a16:creationId xmlns:a16="http://schemas.microsoft.com/office/drawing/2014/main" id="{571E36DE-7535-D370-B3A2-D91ADB717E5F}"/>
               </a:ext>
             </a:extLst>
           </p:cNvPr>
@@ -236,7 +236,7 @@
           <p:cNvPr id="4" name="日期占位符 3">
             <a:extLst>
               <a:ext uri="{FF2B5EF4-FFF2-40B4-BE49-F238E27FC236}">
-                <a16:creationId xmlns:a16="http://schemas.microsoft.com/office/drawing/2014/main" id="{C6B5282A-DFDA-C57B-D02E-5DC9A8632583}"/>
+                <a16:creationId xmlns:a16="http://schemas.microsoft.com/office/drawing/2014/main" id="{7A7E8CE9-A94A-D5D4-5F6E-7E243E995EDE}"/>
               </a:ext>
             </a:extLst>
           </p:cNvPr>
@@ -252,7 +252,7 @@
           <a:bodyPr/>
           <a:lstStyle/>
           <a:p>
-            <a:fld id="{58929FDE-1DD3-400E-A3A1-68469F289F98}" type="datetimeFigureOut">
+            <a:fld id="{F6CDB3DF-54AB-4A23-980A-3D5313D7C41B}" type="datetimeFigureOut">
               <a:rPr lang="zh-CN" altLang="en-US" smtClean="0"/>
               <a:t>2024/3/10</a:t>
             </a:fld>
@@ -265,7 +265,7 @@
           <p:cNvPr id="5" name="页脚占位符 4">
             <a:extLst>
               <a:ext uri="{FF2B5EF4-FFF2-40B4-BE49-F238E27FC236}">
-                <a16:creationId xmlns:a16="http://schemas.microsoft.com/office/drawing/2014/main" id="{FF4834A5-C279-902A-0B33-35ED18F2241D}"/>
+                <a16:creationId xmlns:a16="http://schemas.microsoft.com/office/drawing/2014/main" id="{692E9854-813D-03CE-D0C9-470A7331E11E}"/>
               </a:ext>
             </a:extLst>
           </p:cNvPr>
@@ -290,7 +290,7 @@
           <p:cNvPr id="6" name="灯片编号占位符 5">
             <a:extLst>
               <a:ext uri="{FF2B5EF4-FFF2-40B4-BE49-F238E27FC236}">
-                <a16:creationId xmlns:a16="http://schemas.microsoft.com/office/drawing/2014/main" id="{EBC20710-09DC-CD6A-5147-4948C60F00C0}"/>
+                <a16:creationId xmlns:a16="http://schemas.microsoft.com/office/drawing/2014/main" id="{4151689E-6B7D-E2F8-BAFB-2E4077D5B0E6}"/>
               </a:ext>
             </a:extLst>
           </p:cNvPr>
@@ -306,7 +306,7 @@
           <a:bodyPr/>
           <a:lstStyle/>
           <a:p>
-            <a:fld id="{46B66123-3122-46B7-AA5A-49C6A9001911}" type="slidenum">
+            <a:fld id="{E2BF9B68-DD22-429C-BCED-12B12E379886}" type="slidenum">
               <a:rPr lang="zh-CN" altLang="en-US" smtClean="0"/>
               <a:t>‹#›</a:t>
             </a:fld>
@@ -317,7 +317,7 @@
     </p:spTree>
     <p:extLst>
       <p:ext uri="{BB962C8B-B14F-4D97-AF65-F5344CB8AC3E}">
-        <p14:creationId xmlns:p14="http://schemas.microsoft.com/office/powerpoint/2010/main" val="1870902232"/>
+        <p14:creationId xmlns:p14="http://schemas.microsoft.com/office/powerpoint/2010/main" val="741632625"/>
       </p:ext>
     </p:extLst>
   </p:cSld>
@@ -349,7 +349,7 @@
           <p:cNvPr id="2" name="标题 1">
             <a:extLst>
               <a:ext uri="{FF2B5EF4-FFF2-40B4-BE49-F238E27FC236}">
-                <a16:creationId xmlns:a16="http://schemas.microsoft.com/office/drawing/2014/main" id="{7E22918A-6483-3E6D-DBD4-7D981FC2B26E}"/>
+                <a16:creationId xmlns:a16="http://schemas.microsoft.com/office/drawing/2014/main" id="{5DE3B06C-6B5B-270E-811A-004CF2A6BDAA}"/>
               </a:ext>
             </a:extLst>
           </p:cNvPr>
@@ -377,7 +377,7 @@
           <p:cNvPr id="3" name="竖排文字占位符 2">
             <a:extLst>
               <a:ext uri="{FF2B5EF4-FFF2-40B4-BE49-F238E27FC236}">
-                <a16:creationId xmlns:a16="http://schemas.microsoft.com/office/drawing/2014/main" id="{D268B206-4AFE-6B42-656B-D7C10D1B0342}"/>
+                <a16:creationId xmlns:a16="http://schemas.microsoft.com/office/drawing/2014/main" id="{EC75BFAE-E9A8-A32A-B49C-A0487C07400A}"/>
               </a:ext>
             </a:extLst>
           </p:cNvPr>
@@ -434,7 +434,7 @@
           <p:cNvPr id="4" name="日期占位符 3">
             <a:extLst>
               <a:ext uri="{FF2B5EF4-FFF2-40B4-BE49-F238E27FC236}">
-                <a16:creationId xmlns:a16="http://schemas.microsoft.com/office/drawing/2014/main" id="{6373E129-B212-036F-9955-89C468400BBC}"/>
+                <a16:creationId xmlns:a16="http://schemas.microsoft.com/office/drawing/2014/main" id="{50A8F37F-ADF2-AADB-6DF7-5949DAF7DA6A}"/>
               </a:ext>
             </a:extLst>
           </p:cNvPr>
@@ -450,7 +450,7 @@
           <a:bodyPr/>
           <a:lstStyle/>
           <a:p>
-            <a:fld id="{58929FDE-1DD3-400E-A3A1-68469F289F98}" type="datetimeFigureOut">
+            <a:fld id="{F6CDB3DF-54AB-4A23-980A-3D5313D7C41B}" type="datetimeFigureOut">
               <a:rPr lang="zh-CN" altLang="en-US" smtClean="0"/>
               <a:t>2024/3/10</a:t>
             </a:fld>
@@ -463,7 +463,7 @@
           <p:cNvPr id="5" name="页脚占位符 4">
             <a:extLst>
               <a:ext uri="{FF2B5EF4-FFF2-40B4-BE49-F238E27FC236}">
-                <a16:creationId xmlns:a16="http://schemas.microsoft.com/office/drawing/2014/main" id="{A8EE9C8B-14DF-7FB1-09AA-52D224BD3916}"/>
+                <a16:creationId xmlns:a16="http://schemas.microsoft.com/office/drawing/2014/main" id="{B8849352-7C02-3003-9AC5-A75A3DF09101}"/>
               </a:ext>
             </a:extLst>
           </p:cNvPr>
@@ -488,7 +488,7 @@
           <p:cNvPr id="6" name="灯片编号占位符 5">
             <a:extLst>
               <a:ext uri="{FF2B5EF4-FFF2-40B4-BE49-F238E27FC236}">
-                <a16:creationId xmlns:a16="http://schemas.microsoft.com/office/drawing/2014/main" id="{E72C79E5-EB6F-3B71-2E82-0CE1DDBA7515}"/>
+                <a16:creationId xmlns:a16="http://schemas.microsoft.com/office/drawing/2014/main" id="{22151C41-8C9C-5C7A-6659-2386D1BE4592}"/>
               </a:ext>
             </a:extLst>
           </p:cNvPr>
@@ -504,7 +504,7 @@
           <a:bodyPr/>
           <a:lstStyle/>
           <a:p>
-            <a:fld id="{46B66123-3122-46B7-AA5A-49C6A9001911}" type="slidenum">
+            <a:fld id="{E2BF9B68-DD22-429C-BCED-12B12E379886}" type="slidenum">
               <a:rPr lang="zh-CN" altLang="en-US" smtClean="0"/>
               <a:t>‹#›</a:t>
             </a:fld>
@@ -515,7 +515,7 @@
     </p:spTree>
     <p:extLst>
       <p:ext uri="{BB962C8B-B14F-4D97-AF65-F5344CB8AC3E}">
-        <p14:creationId xmlns:p14="http://schemas.microsoft.com/office/powerpoint/2010/main" val="2655786409"/>
+        <p14:creationId xmlns:p14="http://schemas.microsoft.com/office/powerpoint/2010/main" val="3738600270"/>
       </p:ext>
     </p:extLst>
   </p:cSld>
@@ -547,7 +547,7 @@
           <p:cNvPr id="2" name="竖排标题 1">
             <a:extLst>
               <a:ext uri="{FF2B5EF4-FFF2-40B4-BE49-F238E27FC236}">
-                <a16:creationId xmlns:a16="http://schemas.microsoft.com/office/drawing/2014/main" id="{6351025B-A2BA-EB72-7B38-8F67A02A8A40}"/>
+                <a16:creationId xmlns:a16="http://schemas.microsoft.com/office/drawing/2014/main" id="{65861C28-AB74-DB78-12D0-C46B40D8E2F0}"/>
               </a:ext>
             </a:extLst>
           </p:cNvPr>
@@ -580,7 +580,7 @@
           <p:cNvPr id="3" name="竖排文字占位符 2">
             <a:extLst>
               <a:ext uri="{FF2B5EF4-FFF2-40B4-BE49-F238E27FC236}">
-                <a16:creationId xmlns:a16="http://schemas.microsoft.com/office/drawing/2014/main" id="{A445CAE0-273E-F0FA-4A9E-8477B8DED159}"/>
+                <a16:creationId xmlns:a16="http://schemas.microsoft.com/office/drawing/2014/main" id="{92218CE0-142F-E157-97B3-2519FAB1072C}"/>
               </a:ext>
             </a:extLst>
           </p:cNvPr>
@@ -642,7 +642,7 @@
           <p:cNvPr id="4" name="日期占位符 3">
             <a:extLst>
               <a:ext uri="{FF2B5EF4-FFF2-40B4-BE49-F238E27FC236}">
-                <a16:creationId xmlns:a16="http://schemas.microsoft.com/office/drawing/2014/main" id="{AD6C13B5-E04C-7E17-57EA-AAAFD40172B9}"/>
+                <a16:creationId xmlns:a16="http://schemas.microsoft.com/office/drawing/2014/main" id="{4D63A7DA-CA89-09E0-9F21-93E379939427}"/>
               </a:ext>
             </a:extLst>
           </p:cNvPr>
@@ -658,7 +658,7 @@
           <a:bodyPr/>
           <a:lstStyle/>
           <a:p>
-            <a:fld id="{58929FDE-1DD3-400E-A3A1-68469F289F98}" type="datetimeFigureOut">
+            <a:fld id="{F6CDB3DF-54AB-4A23-980A-3D5313D7C41B}" type="datetimeFigureOut">
               <a:rPr lang="zh-CN" altLang="en-US" smtClean="0"/>
               <a:t>2024/3/10</a:t>
             </a:fld>
@@ -671,7 +671,7 @@
           <p:cNvPr id="5" name="页脚占位符 4">
             <a:extLst>
               <a:ext uri="{FF2B5EF4-FFF2-40B4-BE49-F238E27FC236}">
-                <a16:creationId xmlns:a16="http://schemas.microsoft.com/office/drawing/2014/main" id="{A66F5CC8-00BE-9AC3-3C76-A30EDF15ECC9}"/>
+                <a16:creationId xmlns:a16="http://schemas.microsoft.com/office/drawing/2014/main" id="{A8832262-3C40-682B-E268-D8EF926E41B6}"/>
               </a:ext>
             </a:extLst>
           </p:cNvPr>
@@ -696,7 +696,7 @@
           <p:cNvPr id="6" name="灯片编号占位符 5">
             <a:extLst>
               <a:ext uri="{FF2B5EF4-FFF2-40B4-BE49-F238E27FC236}">
-                <a16:creationId xmlns:a16="http://schemas.microsoft.com/office/drawing/2014/main" id="{6DCA4DB3-0FFF-1BAC-5726-1EF626EB2422}"/>
+                <a16:creationId xmlns:a16="http://schemas.microsoft.com/office/drawing/2014/main" id="{4F668D74-6CD8-F37A-C1F5-6FD39418DE2E}"/>
               </a:ext>
             </a:extLst>
           </p:cNvPr>
@@ -712,7 +712,7 @@
           <a:bodyPr/>
           <a:lstStyle/>
           <a:p>
-            <a:fld id="{46B66123-3122-46B7-AA5A-49C6A9001911}" type="slidenum">
+            <a:fld id="{E2BF9B68-DD22-429C-BCED-12B12E379886}" type="slidenum">
               <a:rPr lang="zh-CN" altLang="en-US" smtClean="0"/>
               <a:t>‹#›</a:t>
             </a:fld>
@@ -723,7 +723,7 @@
     </p:spTree>
     <p:extLst>
       <p:ext uri="{BB962C8B-B14F-4D97-AF65-F5344CB8AC3E}">
-        <p14:creationId xmlns:p14="http://schemas.microsoft.com/office/powerpoint/2010/main" val="2483224842"/>
+        <p14:creationId xmlns:p14="http://schemas.microsoft.com/office/powerpoint/2010/main" val="3228082833"/>
       </p:ext>
     </p:extLst>
   </p:cSld>
@@ -755,7 +755,7 @@
           <p:cNvPr id="2" name="标题 1">
             <a:extLst>
               <a:ext uri="{FF2B5EF4-FFF2-40B4-BE49-F238E27FC236}">
-                <a16:creationId xmlns:a16="http://schemas.microsoft.com/office/drawing/2014/main" id="{BC3D18EB-AF98-B92C-C591-989B9D52AE50}"/>
+                <a16:creationId xmlns:a16="http://schemas.microsoft.com/office/drawing/2014/main" id="{B19055F4-F2EF-868F-4D3C-F12256AAB98A}"/>
               </a:ext>
             </a:extLst>
           </p:cNvPr>
@@ -783,7 +783,7 @@
           <p:cNvPr id="3" name="内容占位符 2">
             <a:extLst>
               <a:ext uri="{FF2B5EF4-FFF2-40B4-BE49-F238E27FC236}">
-                <a16:creationId xmlns:a16="http://schemas.microsoft.com/office/drawing/2014/main" id="{687E3470-C68A-4A5A-3C38-C82684B043AB}"/>
+                <a16:creationId xmlns:a16="http://schemas.microsoft.com/office/drawing/2014/main" id="{669748DD-87BF-DEA0-C453-DD9614504946}"/>
               </a:ext>
             </a:extLst>
           </p:cNvPr>
@@ -840,7 +840,7 @@
           <p:cNvPr id="4" name="日期占位符 3">
             <a:extLst>
               <a:ext uri="{FF2B5EF4-FFF2-40B4-BE49-F238E27FC236}">
-                <a16:creationId xmlns:a16="http://schemas.microsoft.com/office/drawing/2014/main" id="{AB801CDB-4973-E771-791E-6EC4C542346E}"/>
+                <a16:creationId xmlns:a16="http://schemas.microsoft.com/office/drawing/2014/main" id="{7F148CDF-6BB7-41F9-EA37-1557BD084E91}"/>
               </a:ext>
             </a:extLst>
           </p:cNvPr>
@@ -856,7 +856,7 @@
           <a:bodyPr/>
           <a:lstStyle/>
           <a:p>
-            <a:fld id="{58929FDE-1DD3-400E-A3A1-68469F289F98}" type="datetimeFigureOut">
+            <a:fld id="{F6CDB3DF-54AB-4A23-980A-3D5313D7C41B}" type="datetimeFigureOut">
               <a:rPr lang="zh-CN" altLang="en-US" smtClean="0"/>
               <a:t>2024/3/10</a:t>
             </a:fld>
@@ -869,7 +869,7 @@
           <p:cNvPr id="5" name="页脚占位符 4">
             <a:extLst>
               <a:ext uri="{FF2B5EF4-FFF2-40B4-BE49-F238E27FC236}">
-                <a16:creationId xmlns:a16="http://schemas.microsoft.com/office/drawing/2014/main" id="{A24E665A-BC8F-9528-4AE8-ACCC9D71542D}"/>
+                <a16:creationId xmlns:a16="http://schemas.microsoft.com/office/drawing/2014/main" id="{376E571C-D6B5-1B7E-24AB-B649B1F2368F}"/>
               </a:ext>
             </a:extLst>
           </p:cNvPr>
@@ -894,7 +894,7 @@
           <p:cNvPr id="6" name="灯片编号占位符 5">
             <a:extLst>
               <a:ext uri="{FF2B5EF4-FFF2-40B4-BE49-F238E27FC236}">
-                <a16:creationId xmlns:a16="http://schemas.microsoft.com/office/drawing/2014/main" id="{A6F89469-7221-8D3E-8DF9-429ACDD4EFEB}"/>
+                <a16:creationId xmlns:a16="http://schemas.microsoft.com/office/drawing/2014/main" id="{AA1C77FD-1A91-2289-8C40-36C3E29339D3}"/>
               </a:ext>
             </a:extLst>
           </p:cNvPr>
@@ -910,7 +910,7 @@
           <a:bodyPr/>
           <a:lstStyle/>
           <a:p>
-            <a:fld id="{46B66123-3122-46B7-AA5A-49C6A9001911}" type="slidenum">
+            <a:fld id="{E2BF9B68-DD22-429C-BCED-12B12E379886}" type="slidenum">
               <a:rPr lang="zh-CN" altLang="en-US" smtClean="0"/>
               <a:t>‹#›</a:t>
             </a:fld>
@@ -921,7 +921,7 @@
     </p:spTree>
     <p:extLst>
       <p:ext uri="{BB962C8B-B14F-4D97-AF65-F5344CB8AC3E}">
-        <p14:creationId xmlns:p14="http://schemas.microsoft.com/office/powerpoint/2010/main" val="1014735665"/>
+        <p14:creationId xmlns:p14="http://schemas.microsoft.com/office/powerpoint/2010/main" val="3019805427"/>
       </p:ext>
     </p:extLst>
   </p:cSld>
@@ -953,7 +953,7 @@
           <p:cNvPr id="2" name="标题 1">
             <a:extLst>
               <a:ext uri="{FF2B5EF4-FFF2-40B4-BE49-F238E27FC236}">
-                <a16:creationId xmlns:a16="http://schemas.microsoft.com/office/drawing/2014/main" id="{C41F9236-8E27-AD87-8112-403E2EC6D627}"/>
+                <a16:creationId xmlns:a16="http://schemas.microsoft.com/office/drawing/2014/main" id="{B08F9DA2-8E0F-D8AC-4330-6EF15771220F}"/>
               </a:ext>
             </a:extLst>
           </p:cNvPr>
@@ -990,7 +990,7 @@
           <p:cNvPr id="3" name="文本占位符 2">
             <a:extLst>
               <a:ext uri="{FF2B5EF4-FFF2-40B4-BE49-F238E27FC236}">
-                <a16:creationId xmlns:a16="http://schemas.microsoft.com/office/drawing/2014/main" id="{3277F415-303C-6851-F1B2-2B601665C40F}"/>
+                <a16:creationId xmlns:a16="http://schemas.microsoft.com/office/drawing/2014/main" id="{D1855613-AB74-8263-0D8E-FD0FCBAF2054}"/>
               </a:ext>
             </a:extLst>
           </p:cNvPr>
@@ -1115,7 +1115,7 @@
           <p:cNvPr id="4" name="日期占位符 3">
             <a:extLst>
               <a:ext uri="{FF2B5EF4-FFF2-40B4-BE49-F238E27FC236}">
-                <a16:creationId xmlns:a16="http://schemas.microsoft.com/office/drawing/2014/main" id="{EA5D8E41-D997-681A-5188-5A7568A55132}"/>
+                <a16:creationId xmlns:a16="http://schemas.microsoft.com/office/drawing/2014/main" id="{3B53EB57-5EF7-2E13-6DC5-61D563DD95C1}"/>
               </a:ext>
             </a:extLst>
           </p:cNvPr>
@@ -1131,7 +1131,7 @@
           <a:bodyPr/>
           <a:lstStyle/>
           <a:p>
-            <a:fld id="{58929FDE-1DD3-400E-A3A1-68469F289F98}" type="datetimeFigureOut">
+            <a:fld id="{F6CDB3DF-54AB-4A23-980A-3D5313D7C41B}" type="datetimeFigureOut">
               <a:rPr lang="zh-CN" altLang="en-US" smtClean="0"/>
               <a:t>2024/3/10</a:t>
             </a:fld>
@@ -1144,7 +1144,7 @@
           <p:cNvPr id="5" name="页脚占位符 4">
             <a:extLst>
               <a:ext uri="{FF2B5EF4-FFF2-40B4-BE49-F238E27FC236}">
-                <a16:creationId xmlns:a16="http://schemas.microsoft.com/office/drawing/2014/main" id="{D03BB916-3507-26B2-78F0-8C43F20DDA3F}"/>
+                <a16:creationId xmlns:a16="http://schemas.microsoft.com/office/drawing/2014/main" id="{AAD34F4D-9DFA-F442-77BC-019FC1BDAE48}"/>
               </a:ext>
             </a:extLst>
           </p:cNvPr>
@@ -1169,7 +1169,7 @@
           <p:cNvPr id="6" name="灯片编号占位符 5">
             <a:extLst>
               <a:ext uri="{FF2B5EF4-FFF2-40B4-BE49-F238E27FC236}">
-                <a16:creationId xmlns:a16="http://schemas.microsoft.com/office/drawing/2014/main" id="{2FE7001D-C9AC-B66A-869F-CC3C17CDC1E3}"/>
+                <a16:creationId xmlns:a16="http://schemas.microsoft.com/office/drawing/2014/main" id="{B5F74D18-FB71-CAAC-BB0D-51800199C2C7}"/>
               </a:ext>
             </a:extLst>
           </p:cNvPr>
@@ -1185,7 +1185,7 @@
           <a:bodyPr/>
           <a:lstStyle/>
           <a:p>
-            <a:fld id="{46B66123-3122-46B7-AA5A-49C6A9001911}" type="slidenum">
+            <a:fld id="{E2BF9B68-DD22-429C-BCED-12B12E379886}" type="slidenum">
               <a:rPr lang="zh-CN" altLang="en-US" smtClean="0"/>
               <a:t>‹#›</a:t>
             </a:fld>
@@ -1196,7 +1196,7 @@
     </p:spTree>
     <p:extLst>
       <p:ext uri="{BB962C8B-B14F-4D97-AF65-F5344CB8AC3E}">
-        <p14:creationId xmlns:p14="http://schemas.microsoft.com/office/powerpoint/2010/main" val="1092386475"/>
+        <p14:creationId xmlns:p14="http://schemas.microsoft.com/office/powerpoint/2010/main" val="436429048"/>
       </p:ext>
     </p:extLst>
   </p:cSld>
@@ -1228,7 +1228,7 @@
           <p:cNvPr id="2" name="标题 1">
             <a:extLst>
               <a:ext uri="{FF2B5EF4-FFF2-40B4-BE49-F238E27FC236}">
-                <a16:creationId xmlns:a16="http://schemas.microsoft.com/office/drawing/2014/main" id="{84DEB905-CA30-8513-F097-ADC82930E48F}"/>
+                <a16:creationId xmlns:a16="http://schemas.microsoft.com/office/drawing/2014/main" id="{5BA64ED0-4DFA-998D-FA90-74F58668216B}"/>
               </a:ext>
             </a:extLst>
           </p:cNvPr>
@@ -1256,7 +1256,7 @@
           <p:cNvPr id="3" name="内容占位符 2">
             <a:extLst>
               <a:ext uri="{FF2B5EF4-FFF2-40B4-BE49-F238E27FC236}">
-                <a16:creationId xmlns:a16="http://schemas.microsoft.com/office/drawing/2014/main" id="{6C31D67D-2EF9-227B-CD83-4277D7DCBC15}"/>
+                <a16:creationId xmlns:a16="http://schemas.microsoft.com/office/drawing/2014/main" id="{81AD307F-7661-4570-66B6-B630155D9661}"/>
               </a:ext>
             </a:extLst>
           </p:cNvPr>
@@ -1318,7 +1318,7 @@
           <p:cNvPr id="4" name="内容占位符 3">
             <a:extLst>
               <a:ext uri="{FF2B5EF4-FFF2-40B4-BE49-F238E27FC236}">
-                <a16:creationId xmlns:a16="http://schemas.microsoft.com/office/drawing/2014/main" id="{42788CB9-90F2-E81D-55B8-0D01971B4302}"/>
+                <a16:creationId xmlns:a16="http://schemas.microsoft.com/office/drawing/2014/main" id="{1DE57EE9-974A-B28C-A9FE-4ED485D974BA}"/>
               </a:ext>
             </a:extLst>
           </p:cNvPr>
@@ -1380,7 +1380,7 @@
           <p:cNvPr id="5" name="日期占位符 4">
             <a:extLst>
               <a:ext uri="{FF2B5EF4-FFF2-40B4-BE49-F238E27FC236}">
-                <a16:creationId xmlns:a16="http://schemas.microsoft.com/office/drawing/2014/main" id="{E308A391-7403-DE86-8098-7D63DF440655}"/>
+                <a16:creationId xmlns:a16="http://schemas.microsoft.com/office/drawing/2014/main" id="{B9D3DE41-CB5E-3766-803C-D6CECC8356CA}"/>
               </a:ext>
             </a:extLst>
           </p:cNvPr>
@@ -1396,7 +1396,7 @@
           <a:bodyPr/>
           <a:lstStyle/>
           <a:p>
-            <a:fld id="{58929FDE-1DD3-400E-A3A1-68469F289F98}" type="datetimeFigureOut">
+            <a:fld id="{F6CDB3DF-54AB-4A23-980A-3D5313D7C41B}" type="datetimeFigureOut">
               <a:rPr lang="zh-CN" altLang="en-US" smtClean="0"/>
               <a:t>2024/3/10</a:t>
             </a:fld>
@@ -1409,7 +1409,7 @@
           <p:cNvPr id="6" name="页脚占位符 5">
             <a:extLst>
               <a:ext uri="{FF2B5EF4-FFF2-40B4-BE49-F238E27FC236}">
-                <a16:creationId xmlns:a16="http://schemas.microsoft.com/office/drawing/2014/main" id="{93BE3B1B-A440-C91B-77E0-7EFDBE57F598}"/>
+                <a16:creationId xmlns:a16="http://schemas.microsoft.com/office/drawing/2014/main" id="{0A333A7B-6F81-D76C-C584-5945F8CA68C1}"/>
               </a:ext>
             </a:extLst>
           </p:cNvPr>
@@ -1434,7 +1434,7 @@
           <p:cNvPr id="7" name="灯片编号占位符 6">
             <a:extLst>
               <a:ext uri="{FF2B5EF4-FFF2-40B4-BE49-F238E27FC236}">
-                <a16:creationId xmlns:a16="http://schemas.microsoft.com/office/drawing/2014/main" id="{3C3A6734-B42E-DB48-0566-D8B614608656}"/>
+                <a16:creationId xmlns:a16="http://schemas.microsoft.com/office/drawing/2014/main" id="{22F45ACE-389B-EB0C-3C6A-2E4550C42166}"/>
               </a:ext>
             </a:extLst>
           </p:cNvPr>
@@ -1450,7 +1450,7 @@
           <a:bodyPr/>
           <a:lstStyle/>
           <a:p>
-            <a:fld id="{46B66123-3122-46B7-AA5A-49C6A9001911}" type="slidenum">
+            <a:fld id="{E2BF9B68-DD22-429C-BCED-12B12E379886}" type="slidenum">
               <a:rPr lang="zh-CN" altLang="en-US" smtClean="0"/>
               <a:t>‹#›</a:t>
             </a:fld>
@@ -1461,7 +1461,7 @@
     </p:spTree>
     <p:extLst>
       <p:ext uri="{BB962C8B-B14F-4D97-AF65-F5344CB8AC3E}">
-        <p14:creationId xmlns:p14="http://schemas.microsoft.com/office/powerpoint/2010/main" val="1683666963"/>
+        <p14:creationId xmlns:p14="http://schemas.microsoft.com/office/powerpoint/2010/main" val="3047512626"/>
       </p:ext>
     </p:extLst>
   </p:cSld>
@@ -1493,7 +1493,7 @@
           <p:cNvPr id="2" name="标题 1">
             <a:extLst>
               <a:ext uri="{FF2B5EF4-FFF2-40B4-BE49-F238E27FC236}">
-                <a16:creationId xmlns:a16="http://schemas.microsoft.com/office/drawing/2014/main" id="{E7BCFF43-F73A-2B27-CB79-FA25D1E7BC33}"/>
+                <a16:creationId xmlns:a16="http://schemas.microsoft.com/office/drawing/2014/main" id="{382149FB-3B16-C420-8296-C899A3D77B34}"/>
               </a:ext>
             </a:extLst>
           </p:cNvPr>
@@ -1526,7 +1526,7 @@
           <p:cNvPr id="3" name="文本占位符 2">
             <a:extLst>
               <a:ext uri="{FF2B5EF4-FFF2-40B4-BE49-F238E27FC236}">
-                <a16:creationId xmlns:a16="http://schemas.microsoft.com/office/drawing/2014/main" id="{C527B3BB-DCEA-78DA-1CB0-81732061C1A5}"/>
+                <a16:creationId xmlns:a16="http://schemas.microsoft.com/office/drawing/2014/main" id="{009E2469-8573-7358-3DFC-5BEC4C092CA0}"/>
               </a:ext>
             </a:extLst>
           </p:cNvPr>
@@ -1597,7 +1597,7 @@
           <p:cNvPr id="4" name="内容占位符 3">
             <a:extLst>
               <a:ext uri="{FF2B5EF4-FFF2-40B4-BE49-F238E27FC236}">
-                <a16:creationId xmlns:a16="http://schemas.microsoft.com/office/drawing/2014/main" id="{FB83A985-884F-0B1F-DF57-B8278F0FEA84}"/>
+                <a16:creationId xmlns:a16="http://schemas.microsoft.com/office/drawing/2014/main" id="{A9D36F30-1334-8D35-40F7-FC779CB67BC3}"/>
               </a:ext>
             </a:extLst>
           </p:cNvPr>
@@ -1659,7 +1659,7 @@
           <p:cNvPr id="5" name="文本占位符 4">
             <a:extLst>
               <a:ext uri="{FF2B5EF4-FFF2-40B4-BE49-F238E27FC236}">
-                <a16:creationId xmlns:a16="http://schemas.microsoft.com/office/drawing/2014/main" id="{351E4C56-66D0-AE12-4518-53EC19DD6C76}"/>
+                <a16:creationId xmlns:a16="http://schemas.microsoft.com/office/drawing/2014/main" id="{948B3CE9-82C2-C298-CEF0-3659FBB1F282}"/>
               </a:ext>
             </a:extLst>
           </p:cNvPr>
@@ -1730,7 +1730,7 @@
           <p:cNvPr id="6" name="内容占位符 5">
             <a:extLst>
               <a:ext uri="{FF2B5EF4-FFF2-40B4-BE49-F238E27FC236}">
-                <a16:creationId xmlns:a16="http://schemas.microsoft.com/office/drawing/2014/main" id="{6AA73944-2A96-2931-9B96-62F91F34F22E}"/>
+                <a16:creationId xmlns:a16="http://schemas.microsoft.com/office/drawing/2014/main" id="{23BC3C4D-FE35-FEE9-E052-624592EC917B}"/>
               </a:ext>
             </a:extLst>
           </p:cNvPr>
@@ -1792,7 +1792,7 @@
           <p:cNvPr id="7" name="日期占位符 6">
             <a:extLst>
               <a:ext uri="{FF2B5EF4-FFF2-40B4-BE49-F238E27FC236}">
-                <a16:creationId xmlns:a16="http://schemas.microsoft.com/office/drawing/2014/main" id="{2FEC59E8-3C84-604E-03F7-FC3F25F144B5}"/>
+                <a16:creationId xmlns:a16="http://schemas.microsoft.com/office/drawing/2014/main" id="{CCB9E981-FA29-7C60-CB54-7126B4C4E227}"/>
               </a:ext>
             </a:extLst>
           </p:cNvPr>
@@ -1808,7 +1808,7 @@
           <a:bodyPr/>
           <a:lstStyle/>
           <a:p>
-            <a:fld id="{58929FDE-1DD3-400E-A3A1-68469F289F98}" type="datetimeFigureOut">
+            <a:fld id="{F6CDB3DF-54AB-4A23-980A-3D5313D7C41B}" type="datetimeFigureOut">
               <a:rPr lang="zh-CN" altLang="en-US" smtClean="0"/>
               <a:t>2024/3/10</a:t>
             </a:fld>
@@ -1821,7 +1821,7 @@
           <p:cNvPr id="8" name="页脚占位符 7">
             <a:extLst>
               <a:ext uri="{FF2B5EF4-FFF2-40B4-BE49-F238E27FC236}">
-                <a16:creationId xmlns:a16="http://schemas.microsoft.com/office/drawing/2014/main" id="{83E0EED7-8F2B-125B-A033-D650D2B90082}"/>
+                <a16:creationId xmlns:a16="http://schemas.microsoft.com/office/drawing/2014/main" id="{875DDF04-81B6-F7A9-2F28-629064CA8E0B}"/>
               </a:ext>
             </a:extLst>
           </p:cNvPr>
@@ -1846,7 +1846,7 @@
           <p:cNvPr id="9" name="灯片编号占位符 8">
             <a:extLst>
               <a:ext uri="{FF2B5EF4-FFF2-40B4-BE49-F238E27FC236}">
-                <a16:creationId xmlns:a16="http://schemas.microsoft.com/office/drawing/2014/main" id="{37AE5CB8-8D68-A063-BD2E-C3465D33FB8E}"/>
+                <a16:creationId xmlns:a16="http://schemas.microsoft.com/office/drawing/2014/main" id="{D10971C2-D96C-0D4A-BDC2-BF356E089949}"/>
               </a:ext>
             </a:extLst>
           </p:cNvPr>
@@ -1862,7 +1862,7 @@
           <a:bodyPr/>
           <a:lstStyle/>
           <a:p>
-            <a:fld id="{46B66123-3122-46B7-AA5A-49C6A9001911}" type="slidenum">
+            <a:fld id="{E2BF9B68-DD22-429C-BCED-12B12E379886}" type="slidenum">
               <a:rPr lang="zh-CN" altLang="en-US" smtClean="0"/>
               <a:t>‹#›</a:t>
             </a:fld>
@@ -1873,7 +1873,7 @@
     </p:spTree>
     <p:extLst>
       <p:ext uri="{BB962C8B-B14F-4D97-AF65-F5344CB8AC3E}">
-        <p14:creationId xmlns:p14="http://schemas.microsoft.com/office/powerpoint/2010/main" val="308305972"/>
+        <p14:creationId xmlns:p14="http://schemas.microsoft.com/office/powerpoint/2010/main" val="3421924144"/>
       </p:ext>
     </p:extLst>
   </p:cSld>
@@ -1905,7 +1905,7 @@
           <p:cNvPr id="2" name="标题 1">
             <a:extLst>
               <a:ext uri="{FF2B5EF4-FFF2-40B4-BE49-F238E27FC236}">
-                <a16:creationId xmlns:a16="http://schemas.microsoft.com/office/drawing/2014/main" id="{BA3E6F1A-6863-4A47-EFCB-0FC647A8A0EE}"/>
+                <a16:creationId xmlns:a16="http://schemas.microsoft.com/office/drawing/2014/main" id="{400BDDF1-9BE6-48AD-C9D1-A11D29B603D2}"/>
               </a:ext>
             </a:extLst>
           </p:cNvPr>
@@ -1933,7 +1933,7 @@
           <p:cNvPr id="3" name="日期占位符 2">
             <a:extLst>
               <a:ext uri="{FF2B5EF4-FFF2-40B4-BE49-F238E27FC236}">
-                <a16:creationId xmlns:a16="http://schemas.microsoft.com/office/drawing/2014/main" id="{8B73BB46-F50F-6EDD-94AB-ABE4D0F302D9}"/>
+                <a16:creationId xmlns:a16="http://schemas.microsoft.com/office/drawing/2014/main" id="{5717622C-5DF9-3702-C124-330DF72CD571}"/>
               </a:ext>
             </a:extLst>
           </p:cNvPr>
@@ -1949,7 +1949,7 @@
           <a:bodyPr/>
           <a:lstStyle/>
           <a:p>
-            <a:fld id="{58929FDE-1DD3-400E-A3A1-68469F289F98}" type="datetimeFigureOut">
+            <a:fld id="{F6CDB3DF-54AB-4A23-980A-3D5313D7C41B}" type="datetimeFigureOut">
               <a:rPr lang="zh-CN" altLang="en-US" smtClean="0"/>
               <a:t>2024/3/10</a:t>
             </a:fld>
@@ -1962,7 +1962,7 @@
           <p:cNvPr id="4" name="页脚占位符 3">
             <a:extLst>
               <a:ext uri="{FF2B5EF4-FFF2-40B4-BE49-F238E27FC236}">
-                <a16:creationId xmlns:a16="http://schemas.microsoft.com/office/drawing/2014/main" id="{7EFB1BFF-9AE7-DC6E-4B4A-077A5E7F888E}"/>
+                <a16:creationId xmlns:a16="http://schemas.microsoft.com/office/drawing/2014/main" id="{9504BB55-D7AE-262F-6E0E-5159A1A36D73}"/>
               </a:ext>
             </a:extLst>
           </p:cNvPr>
@@ -1987,7 +1987,7 @@
           <p:cNvPr id="5" name="灯片编号占位符 4">
             <a:extLst>
               <a:ext uri="{FF2B5EF4-FFF2-40B4-BE49-F238E27FC236}">
-                <a16:creationId xmlns:a16="http://schemas.microsoft.com/office/drawing/2014/main" id="{71C1AE34-60C0-833B-B514-25006A283A7C}"/>
+                <a16:creationId xmlns:a16="http://schemas.microsoft.com/office/drawing/2014/main" id="{093DB2EA-08B8-FB22-43B8-758D6B304540}"/>
               </a:ext>
             </a:extLst>
           </p:cNvPr>
@@ -2003,7 +2003,7 @@
           <a:bodyPr/>
           <a:lstStyle/>
           <a:p>
-            <a:fld id="{46B66123-3122-46B7-AA5A-49C6A9001911}" type="slidenum">
+            <a:fld id="{E2BF9B68-DD22-429C-BCED-12B12E379886}" type="slidenum">
               <a:rPr lang="zh-CN" altLang="en-US" smtClean="0"/>
               <a:t>‹#›</a:t>
             </a:fld>
@@ -2014,7 +2014,7 @@
     </p:spTree>
     <p:extLst>
       <p:ext uri="{BB962C8B-B14F-4D97-AF65-F5344CB8AC3E}">
-        <p14:creationId xmlns:p14="http://schemas.microsoft.com/office/powerpoint/2010/main" val="3594105419"/>
+        <p14:creationId xmlns:p14="http://schemas.microsoft.com/office/powerpoint/2010/main" val="972836479"/>
       </p:ext>
     </p:extLst>
   </p:cSld>
@@ -2046,7 +2046,7 @@
           <p:cNvPr id="2" name="日期占位符 1">
             <a:extLst>
               <a:ext uri="{FF2B5EF4-FFF2-40B4-BE49-F238E27FC236}">
-                <a16:creationId xmlns:a16="http://schemas.microsoft.com/office/drawing/2014/main" id="{1C234399-3E29-9FD1-A35A-547AAB757D74}"/>
+                <a16:creationId xmlns:a16="http://schemas.microsoft.com/office/drawing/2014/main" id="{E81B9B69-B2A5-AE0E-A961-A97EF591B59A}"/>
               </a:ext>
             </a:extLst>
           </p:cNvPr>
@@ -2062,7 +2062,7 @@
           <a:bodyPr/>
           <a:lstStyle/>
           <a:p>
-            <a:fld id="{58929FDE-1DD3-400E-A3A1-68469F289F98}" type="datetimeFigureOut">
+            <a:fld id="{F6CDB3DF-54AB-4A23-980A-3D5313D7C41B}" type="datetimeFigureOut">
               <a:rPr lang="zh-CN" altLang="en-US" smtClean="0"/>
               <a:t>2024/3/10</a:t>
             </a:fld>
@@ -2075,7 +2075,7 @@
           <p:cNvPr id="3" name="页脚占位符 2">
             <a:extLst>
               <a:ext uri="{FF2B5EF4-FFF2-40B4-BE49-F238E27FC236}">
-                <a16:creationId xmlns:a16="http://schemas.microsoft.com/office/drawing/2014/main" id="{E04CF712-C4B6-09AC-115F-2AC3D560DA2C}"/>
+                <a16:creationId xmlns:a16="http://schemas.microsoft.com/office/drawing/2014/main" id="{A680B146-7658-95BE-322B-E7633F7A5FFB}"/>
               </a:ext>
             </a:extLst>
           </p:cNvPr>
@@ -2100,7 +2100,7 @@
           <p:cNvPr id="4" name="灯片编号占位符 3">
             <a:extLst>
               <a:ext uri="{FF2B5EF4-FFF2-40B4-BE49-F238E27FC236}">
-                <a16:creationId xmlns:a16="http://schemas.microsoft.com/office/drawing/2014/main" id="{865FF3AA-2019-6978-7027-C5117CC30B7B}"/>
+                <a16:creationId xmlns:a16="http://schemas.microsoft.com/office/drawing/2014/main" id="{B293037D-70D0-FC64-99C2-00C46A14ABFA}"/>
               </a:ext>
             </a:extLst>
           </p:cNvPr>
@@ -2116,7 +2116,7 @@
           <a:bodyPr/>
           <a:lstStyle/>
           <a:p>
-            <a:fld id="{46B66123-3122-46B7-AA5A-49C6A9001911}" type="slidenum">
+            <a:fld id="{E2BF9B68-DD22-429C-BCED-12B12E379886}" type="slidenum">
               <a:rPr lang="zh-CN" altLang="en-US" smtClean="0"/>
               <a:t>‹#›</a:t>
             </a:fld>
@@ -2127,7 +2127,7 @@
     </p:spTree>
     <p:extLst>
       <p:ext uri="{BB962C8B-B14F-4D97-AF65-F5344CB8AC3E}">
-        <p14:creationId xmlns:p14="http://schemas.microsoft.com/office/powerpoint/2010/main" val="3108288132"/>
+        <p14:creationId xmlns:p14="http://schemas.microsoft.com/office/powerpoint/2010/main" val="3453142323"/>
       </p:ext>
     </p:extLst>
   </p:cSld>
@@ -2159,7 +2159,7 @@
           <p:cNvPr id="2" name="标题 1">
             <a:extLst>
               <a:ext uri="{FF2B5EF4-FFF2-40B4-BE49-F238E27FC236}">
-                <a16:creationId xmlns:a16="http://schemas.microsoft.com/office/drawing/2014/main" id="{8BAABB94-1198-CFBA-6CFF-EA754E8A4A6C}"/>
+                <a16:creationId xmlns:a16="http://schemas.microsoft.com/office/drawing/2014/main" id="{99E1D842-1535-4475-085D-1ED46B46F44D}"/>
               </a:ext>
             </a:extLst>
           </p:cNvPr>
@@ -2196,7 +2196,7 @@
           <p:cNvPr id="3" name="内容占位符 2">
             <a:extLst>
               <a:ext uri="{FF2B5EF4-FFF2-40B4-BE49-F238E27FC236}">
-                <a16:creationId xmlns:a16="http://schemas.microsoft.com/office/drawing/2014/main" id="{E90D3352-B31D-6384-9F7F-AFD587290B65}"/>
+                <a16:creationId xmlns:a16="http://schemas.microsoft.com/office/drawing/2014/main" id="{A3483AB1-FDFC-19DD-EDB0-097DB829BB7D}"/>
               </a:ext>
             </a:extLst>
           </p:cNvPr>
@@ -2286,7 +2286,7 @@
           <p:cNvPr id="4" name="文本占位符 3">
             <a:extLst>
               <a:ext uri="{FF2B5EF4-FFF2-40B4-BE49-F238E27FC236}">
-                <a16:creationId xmlns:a16="http://schemas.microsoft.com/office/drawing/2014/main" id="{7004C187-095B-0B85-9375-F39BA19F65B8}"/>
+                <a16:creationId xmlns:a16="http://schemas.microsoft.com/office/drawing/2014/main" id="{31B0091C-9862-9DF6-D8A1-B6DAEB3BE83C}"/>
               </a:ext>
             </a:extLst>
           </p:cNvPr>
@@ -2357,7 +2357,7 @@
           <p:cNvPr id="5" name="日期占位符 4">
             <a:extLst>
               <a:ext uri="{FF2B5EF4-FFF2-40B4-BE49-F238E27FC236}">
-                <a16:creationId xmlns:a16="http://schemas.microsoft.com/office/drawing/2014/main" id="{6525B7DD-754E-BD74-CB96-0606C626DF26}"/>
+                <a16:creationId xmlns:a16="http://schemas.microsoft.com/office/drawing/2014/main" id="{D6B6D1DA-42F3-A39B-1E5C-34C13EBFA5D4}"/>
               </a:ext>
             </a:extLst>
           </p:cNvPr>
@@ -2373,7 +2373,7 @@
           <a:bodyPr/>
           <a:lstStyle/>
           <a:p>
-            <a:fld id="{58929FDE-1DD3-400E-A3A1-68469F289F98}" type="datetimeFigureOut">
+            <a:fld id="{F6CDB3DF-54AB-4A23-980A-3D5313D7C41B}" type="datetimeFigureOut">
               <a:rPr lang="zh-CN" altLang="en-US" smtClean="0"/>
               <a:t>2024/3/10</a:t>
             </a:fld>
@@ -2386,7 +2386,7 @@
           <p:cNvPr id="6" name="页脚占位符 5">
             <a:extLst>
               <a:ext uri="{FF2B5EF4-FFF2-40B4-BE49-F238E27FC236}">
-                <a16:creationId xmlns:a16="http://schemas.microsoft.com/office/drawing/2014/main" id="{C25B8A52-A5E6-EB3A-0020-82514B81DB58}"/>
+                <a16:creationId xmlns:a16="http://schemas.microsoft.com/office/drawing/2014/main" id="{A091710A-46C9-E84D-7E2D-293B0BFA8FB1}"/>
               </a:ext>
             </a:extLst>
           </p:cNvPr>
@@ -2411,7 +2411,7 @@
           <p:cNvPr id="7" name="灯片编号占位符 6">
             <a:extLst>
               <a:ext uri="{FF2B5EF4-FFF2-40B4-BE49-F238E27FC236}">
-                <a16:creationId xmlns:a16="http://schemas.microsoft.com/office/drawing/2014/main" id="{F3A40475-4160-D902-25F4-61DE85B072D1}"/>
+                <a16:creationId xmlns:a16="http://schemas.microsoft.com/office/drawing/2014/main" id="{F4EA78CA-4C0D-048B-33E5-DF7BE0F88656}"/>
               </a:ext>
             </a:extLst>
           </p:cNvPr>
@@ -2427,7 +2427,7 @@
           <a:bodyPr/>
           <a:lstStyle/>
           <a:p>
-            <a:fld id="{46B66123-3122-46B7-AA5A-49C6A9001911}" type="slidenum">
+            <a:fld id="{E2BF9B68-DD22-429C-BCED-12B12E379886}" type="slidenum">
               <a:rPr lang="zh-CN" altLang="en-US" smtClean="0"/>
               <a:t>‹#›</a:t>
             </a:fld>
@@ -2438,7 +2438,7 @@
     </p:spTree>
     <p:extLst>
       <p:ext uri="{BB962C8B-B14F-4D97-AF65-F5344CB8AC3E}">
-        <p14:creationId xmlns:p14="http://schemas.microsoft.com/office/powerpoint/2010/main" val="3276009309"/>
+        <p14:creationId xmlns:p14="http://schemas.microsoft.com/office/powerpoint/2010/main" val="3788102218"/>
       </p:ext>
     </p:extLst>
   </p:cSld>
@@ -2470,7 +2470,7 @@
           <p:cNvPr id="2" name="标题 1">
             <a:extLst>
               <a:ext uri="{FF2B5EF4-FFF2-40B4-BE49-F238E27FC236}">
-                <a16:creationId xmlns:a16="http://schemas.microsoft.com/office/drawing/2014/main" id="{AE28BCFC-8270-FF3F-4F4F-2533E2EEF41C}"/>
+                <a16:creationId xmlns:a16="http://schemas.microsoft.com/office/drawing/2014/main" id="{F90875B2-B8A8-D27A-28E6-B92F6A84C8D6}"/>
               </a:ext>
             </a:extLst>
           </p:cNvPr>
@@ -2507,7 +2507,7 @@
           <p:cNvPr id="3" name="图片占位符 2">
             <a:extLst>
               <a:ext uri="{FF2B5EF4-FFF2-40B4-BE49-F238E27FC236}">
-                <a16:creationId xmlns:a16="http://schemas.microsoft.com/office/drawing/2014/main" id="{DFBFCF8B-E256-4447-1F87-A413C9E76C31}"/>
+                <a16:creationId xmlns:a16="http://schemas.microsoft.com/office/drawing/2014/main" id="{0C95EAAC-ABE3-5A4D-8022-F813E78A1AFD}"/>
               </a:ext>
             </a:extLst>
           </p:cNvPr>
@@ -2574,7 +2574,7 @@
           <p:cNvPr id="4" name="文本占位符 3">
             <a:extLst>
               <a:ext uri="{FF2B5EF4-FFF2-40B4-BE49-F238E27FC236}">
-                <a16:creationId xmlns:a16="http://schemas.microsoft.com/office/drawing/2014/main" id="{4A4889FC-A315-0FA7-BD0C-F2C4CA871E68}"/>
+                <a16:creationId xmlns:a16="http://schemas.microsoft.com/office/drawing/2014/main" id="{198322C4-91EC-1A3D-4739-4FE24223C981}"/>
               </a:ext>
             </a:extLst>
           </p:cNvPr>
@@ -2645,7 +2645,7 @@
           <p:cNvPr id="5" name="日期占位符 4">
             <a:extLst>
               <a:ext uri="{FF2B5EF4-FFF2-40B4-BE49-F238E27FC236}">
-                <a16:creationId xmlns:a16="http://schemas.microsoft.com/office/drawing/2014/main" id="{0D59210D-A18F-6FCA-1591-C66177FF6986}"/>
+                <a16:creationId xmlns:a16="http://schemas.microsoft.com/office/drawing/2014/main" id="{CB17A0FD-9F2F-3D41-EB65-348EC0E89300}"/>
               </a:ext>
             </a:extLst>
           </p:cNvPr>
@@ -2661,7 +2661,7 @@
           <a:bodyPr/>
           <a:lstStyle/>
           <a:p>
-            <a:fld id="{58929FDE-1DD3-400E-A3A1-68469F289F98}" type="datetimeFigureOut">
+            <a:fld id="{F6CDB3DF-54AB-4A23-980A-3D5313D7C41B}" type="datetimeFigureOut">
               <a:rPr lang="zh-CN" altLang="en-US" smtClean="0"/>
               <a:t>2024/3/10</a:t>
             </a:fld>
@@ -2674,7 +2674,7 @@
           <p:cNvPr id="6" name="页脚占位符 5">
             <a:extLst>
               <a:ext uri="{FF2B5EF4-FFF2-40B4-BE49-F238E27FC236}">
-                <a16:creationId xmlns:a16="http://schemas.microsoft.com/office/drawing/2014/main" id="{3BFEB06C-B0F8-B627-FA07-9D14461F2B57}"/>
+                <a16:creationId xmlns:a16="http://schemas.microsoft.com/office/drawing/2014/main" id="{552688E1-2CE7-938C-D9E4-8580B30202C6}"/>
               </a:ext>
             </a:extLst>
           </p:cNvPr>
@@ -2699,7 +2699,7 @@
           <p:cNvPr id="7" name="灯片编号占位符 6">
             <a:extLst>
               <a:ext uri="{FF2B5EF4-FFF2-40B4-BE49-F238E27FC236}">
-                <a16:creationId xmlns:a16="http://schemas.microsoft.com/office/drawing/2014/main" id="{565ABDBB-BFCC-6F0F-2806-FED62CB7CEB1}"/>
+                <a16:creationId xmlns:a16="http://schemas.microsoft.com/office/drawing/2014/main" id="{09B7E304-F0CC-1E43-C363-E4220C96C2A4}"/>
               </a:ext>
             </a:extLst>
           </p:cNvPr>
@@ -2715,7 +2715,7 @@
           <a:bodyPr/>
           <a:lstStyle/>
           <a:p>
-            <a:fld id="{46B66123-3122-46B7-AA5A-49C6A9001911}" type="slidenum">
+            <a:fld id="{E2BF9B68-DD22-429C-BCED-12B12E379886}" type="slidenum">
               <a:rPr lang="zh-CN" altLang="en-US" smtClean="0"/>
               <a:t>‹#›</a:t>
             </a:fld>
@@ -2726,7 +2726,7 @@
     </p:spTree>
     <p:extLst>
       <p:ext uri="{BB962C8B-B14F-4D97-AF65-F5344CB8AC3E}">
-        <p14:creationId xmlns:p14="http://schemas.microsoft.com/office/powerpoint/2010/main" val="3506423399"/>
+        <p14:creationId xmlns:p14="http://schemas.microsoft.com/office/powerpoint/2010/main" val="464936510"/>
       </p:ext>
     </p:extLst>
   </p:cSld>
@@ -2763,7 +2763,7 @@
           <p:cNvPr id="2" name="标题占位符 1">
             <a:extLst>
               <a:ext uri="{FF2B5EF4-FFF2-40B4-BE49-F238E27FC236}">
-                <a16:creationId xmlns:a16="http://schemas.microsoft.com/office/drawing/2014/main" id="{65657AC5-8A18-8D5D-2D56-02396572CCC9}"/>
+                <a16:creationId xmlns:a16="http://schemas.microsoft.com/office/drawing/2014/main" id="{1279305C-0F43-0374-14D8-B1362498D7DD}"/>
               </a:ext>
             </a:extLst>
           </p:cNvPr>
@@ -2801,7 +2801,7 @@
           <p:cNvPr id="3" name="文本占位符 2">
             <a:extLst>
               <a:ext uri="{FF2B5EF4-FFF2-40B4-BE49-F238E27FC236}">
-                <a16:creationId xmlns:a16="http://schemas.microsoft.com/office/drawing/2014/main" id="{BA055CC7-8814-ADF0-3AE5-BFB9CC1BABDF}"/>
+                <a16:creationId xmlns:a16="http://schemas.microsoft.com/office/drawing/2014/main" id="{5430D022-1219-8A0A-9D93-1545FDD62D64}"/>
               </a:ext>
             </a:extLst>
           </p:cNvPr>
@@ -2868,7 +2868,7 @@
           <p:cNvPr id="4" name="日期占位符 3">
             <a:extLst>
               <a:ext uri="{FF2B5EF4-FFF2-40B4-BE49-F238E27FC236}">
-                <a16:creationId xmlns:a16="http://schemas.microsoft.com/office/drawing/2014/main" id="{DA3199F4-E994-5E13-931A-DECB533B3C34}"/>
+                <a16:creationId xmlns:a16="http://schemas.microsoft.com/office/drawing/2014/main" id="{16D5603C-E491-4147-00DA-76A97FF95BC3}"/>
               </a:ext>
             </a:extLst>
           </p:cNvPr>
@@ -2902,7 +2902,7 @@
             </a:lvl1pPr>
           </a:lstStyle>
           <a:p>
-            <a:fld id="{58929FDE-1DD3-400E-A3A1-68469F289F98}" type="datetimeFigureOut">
+            <a:fld id="{F6CDB3DF-54AB-4A23-980A-3D5313D7C41B}" type="datetimeFigureOut">
               <a:rPr lang="zh-CN" altLang="en-US" smtClean="0"/>
               <a:t>2024/3/10</a:t>
             </a:fld>
@@ -2915,7 +2915,7 @@
           <p:cNvPr id="5" name="页脚占位符 4">
             <a:extLst>
               <a:ext uri="{FF2B5EF4-FFF2-40B4-BE49-F238E27FC236}">
-                <a16:creationId xmlns:a16="http://schemas.microsoft.com/office/drawing/2014/main" id="{D4B38C7A-A436-D3A4-E8D6-30B0068CF354}"/>
+                <a16:creationId xmlns:a16="http://schemas.microsoft.com/office/drawing/2014/main" id="{B1FA8255-EB62-39FA-C24D-BC7B8ECDA9C4}"/>
               </a:ext>
             </a:extLst>
           </p:cNvPr>
@@ -2958,7 +2958,7 @@
           <p:cNvPr id="6" name="灯片编号占位符 5">
             <a:extLst>
               <a:ext uri="{FF2B5EF4-FFF2-40B4-BE49-F238E27FC236}">
-                <a16:creationId xmlns:a16="http://schemas.microsoft.com/office/drawing/2014/main" id="{995268BA-5665-B92B-CB54-37BF5B94BCD2}"/>
+                <a16:creationId xmlns:a16="http://schemas.microsoft.com/office/drawing/2014/main" id="{5C1AFAED-0D54-76C8-C076-6CBD99F784A8}"/>
               </a:ext>
             </a:extLst>
           </p:cNvPr>
@@ -2992,7 +2992,7 @@
             </a:lvl1pPr>
           </a:lstStyle>
           <a:p>
-            <a:fld id="{46B66123-3122-46B7-AA5A-49C6A9001911}" type="slidenum">
+            <a:fld id="{E2BF9B68-DD22-429C-BCED-12B12E379886}" type="slidenum">
               <a:rPr lang="zh-CN" altLang="en-US" smtClean="0"/>
               <a:t>‹#›</a:t>
             </a:fld>
@@ -3003,7 +3003,7 @@
     </p:spTree>
     <p:extLst>
       <p:ext uri="{BB962C8B-B14F-4D97-AF65-F5344CB8AC3E}">
-        <p14:creationId xmlns:p14="http://schemas.microsoft.com/office/powerpoint/2010/main" val="3057175665"/>
+        <p14:creationId xmlns:p14="http://schemas.microsoft.com/office/powerpoint/2010/main" val="3774684469"/>
       </p:ext>
     </p:extLst>
   </p:cSld>
@@ -3323,7 +3323,7 @@
       </p:grpSpPr>
       <p:pic>
         <p:nvPicPr>
-          <p:cNvPr id="358402" name="Picture 2" descr="349"/>
+          <p:cNvPr id="359426" name="Picture 2" descr="350"/>
           <p:cNvPicPr>
             <a:picLocks noChangeAspect="1" noChangeArrowheads="1"/>
           </p:cNvPicPr>
